--- a/Star_Collector_Presentation_Perfect_16pages.pptx
+++ b/Star_Collector_Presentation_Perfect_16pages.pptx
@@ -3211,7 +3211,12 @@
             <p:ph idx="1"/>
           </p:nvPr>
         </p:nvSpPr>
-        <p:spPr/>
+        <p:spPr>
+          <a:xfrm>
+            <a:off x="1718310" y="1600200"/>
+            <a:ext cx="8229600" cy="4525963"/>
+          </a:xfrm>
+        </p:spPr>
         <p:txBody>
           <a:bodyPr/>
           <a:lstStyle/>
@@ -3281,23 +3286,45 @@
             </a:pPr>
           </a:p>
           <a:p>
-            <a:pPr>
-              <a:spcAft>
-                <a:spcPts val="600"/>
-              </a:spcAft>
-              <a:defRPr sz="2200">
-                <a:solidFill>
-                  <a:srgbClr val="FFFFFF"/>
-                </a:solidFill>
-                <a:latin typeface="Calibri" panose="020F0502020204030204"/>
-              </a:defRPr>
-            </a:pPr>
-            <a:r>
-              <a:t>Insert falling timeline</a:t>
-            </a:r>
-          </a:p>
-        </p:txBody>
-      </p:sp>
+            <a:pPr marL="0" indent="0">
+              <a:spcAft>
+                <a:spcPts val="600"/>
+              </a:spcAft>
+              <a:buNone/>
+              <a:defRPr sz="2200">
+                <a:solidFill>
+                  <a:srgbClr val="FFFFFF"/>
+                </a:solidFill>
+                <a:latin typeface="Calibri" panose="020F0502020204030204"/>
+              </a:defRPr>
+            </a:pPr>
+          </a:p>
+        </p:txBody>
+      </p:sp>
+      <p:pic>
+        <p:nvPicPr>
+          <p:cNvPr id="4" name="图片 3"/>
+          <p:cNvPicPr>
+            <a:picLocks noChangeAspect="1"/>
+          </p:cNvPicPr>
+          <p:nvPr/>
+        </p:nvPicPr>
+        <p:blipFill>
+          <a:blip r:embed="rId1"/>
+          <a:stretch>
+            <a:fillRect/>
+          </a:stretch>
+        </p:blipFill>
+        <p:spPr>
+          <a:xfrm>
+            <a:off x="1718310" y="3962400"/>
+            <a:ext cx="7119620" cy="2515870"/>
+          </a:xfrm>
+          <a:prstGeom prst="rect">
+            <a:avLst/>
+          </a:prstGeom>
+        </p:spPr>
+      </p:pic>
     </p:spTree>
   </p:cSld>
   <p:clrMapOvr>
@@ -3363,13 +3390,22 @@
             <p:ph idx="1"/>
           </p:nvPr>
         </p:nvSpPr>
-        <p:spPr/>
-        <p:txBody>
-          <a:bodyPr/>
-          <a:lstStyle/>
-          <a:p/>
+        <p:spPr>
+          <a:xfrm>
+            <a:off x="1582420" y="1256030"/>
+            <a:ext cx="8229600" cy="4525963"/>
+          </a:xfrm>
+        </p:spPr>
+        <p:txBody>
+          <a:bodyPr/>
+          <a:lstStyle/>
           <a:p>
             <a:pPr marL="0" indent="0">
+              <a:buNone/>
+            </a:pPr>
+          </a:p>
+          <a:p>
+            <a:pPr marL="0" indent="0">
               <a:spcAft>
                 <a:spcPts val="600"/>
               </a:spcAft>
@@ -3449,24 +3485,32 @@
               </a:defRPr>
             </a:pPr>
           </a:p>
-          <a:p>
-            <a:pPr>
-              <a:spcAft>
-                <a:spcPts val="600"/>
-              </a:spcAft>
-              <a:defRPr sz="2200">
-                <a:solidFill>
-                  <a:srgbClr val="FFFFFF"/>
-                </a:solidFill>
-                <a:latin typeface="Calibri" panose="020F0502020204030204"/>
-              </a:defRPr>
-            </a:pPr>
-            <a:r>
-              <a:t>Insert particle fountain</a:t>
-            </a:r>
-          </a:p>
-        </p:txBody>
-      </p:sp>
+        </p:txBody>
+      </p:sp>
+      <p:pic>
+        <p:nvPicPr>
+          <p:cNvPr id="4" name="图片 3"/>
+          <p:cNvPicPr>
+            <a:picLocks noChangeAspect="1"/>
+          </p:cNvPicPr>
+          <p:nvPr/>
+        </p:nvPicPr>
+        <p:blipFill>
+          <a:blip r:embed="rId1"/>
+          <a:stretch>
+            <a:fillRect/>
+          </a:stretch>
+        </p:blipFill>
+        <p:spPr>
+          <a:xfrm>
+            <a:off x="1582420" y="3790950"/>
+            <a:ext cx="6440170" cy="2555240"/>
+          </a:xfrm>
+          <a:prstGeom prst="rect">
+            <a:avLst/>
+          </a:prstGeom>
+        </p:spPr>
+      </p:pic>
     </p:spTree>
   </p:cSld>
   <p:clrMapOvr>
@@ -3532,7 +3576,12 @@
             <p:ph idx="1"/>
           </p:nvPr>
         </p:nvSpPr>
-        <p:spPr/>
+        <p:spPr>
+          <a:xfrm>
+            <a:off x="983615" y="1600200"/>
+            <a:ext cx="8229600" cy="4525963"/>
+          </a:xfrm>
+        </p:spPr>
         <p:txBody>
           <a:bodyPr/>
           <a:lstStyle/>
@@ -3618,24 +3667,32 @@
               </a:defRPr>
             </a:pPr>
           </a:p>
-          <a:p>
-            <a:pPr>
-              <a:spcAft>
-                <a:spcPts val="600"/>
-              </a:spcAft>
-              <a:defRPr sz="2200">
-                <a:solidFill>
-                  <a:srgbClr val="FFFFFF"/>
-                </a:solidFill>
-                <a:latin typeface="Calibri" panose="020F0502020204030204"/>
-              </a:defRPr>
-            </a:pPr>
-            <a:r>
-              <a:t>Insert code + diagram</a:t>
-            </a:r>
-          </a:p>
-        </p:txBody>
-      </p:sp>
+        </p:txBody>
+      </p:sp>
+      <p:pic>
+        <p:nvPicPr>
+          <p:cNvPr id="4" name="图片 3"/>
+          <p:cNvPicPr>
+            <a:picLocks noChangeAspect="1"/>
+          </p:cNvPicPr>
+          <p:nvPr/>
+        </p:nvPicPr>
+        <p:blipFill>
+          <a:blip r:embed="rId1"/>
+          <a:stretch>
+            <a:fillRect/>
+          </a:stretch>
+        </p:blipFill>
+        <p:spPr>
+          <a:xfrm>
+            <a:off x="5702935" y="2414905"/>
+            <a:ext cx="5862320" cy="2689860"/>
+          </a:xfrm>
+          <a:prstGeom prst="rect">
+            <a:avLst/>
+          </a:prstGeom>
+        </p:spPr>
+      </p:pic>
     </p:spTree>
   </p:cSld>
   <p:clrMapOvr>
@@ -3701,7 +3758,12 @@
             <p:ph idx="1"/>
           </p:nvPr>
         </p:nvSpPr>
-        <p:spPr/>
+        <p:spPr>
+          <a:xfrm>
+            <a:off x="1391285" y="1600200"/>
+            <a:ext cx="8229600" cy="4525963"/>
+          </a:xfrm>
+        </p:spPr>
         <p:txBody>
           <a:bodyPr/>
           <a:lstStyle/>
@@ -3771,23 +3833,45 @@
             </a:pPr>
           </a:p>
           <a:p>
-            <a:pPr>
-              <a:spcAft>
-                <a:spcPts val="600"/>
-              </a:spcAft>
-              <a:defRPr sz="2200">
-                <a:solidFill>
-                  <a:srgbClr val="FFFFFF"/>
-                </a:solidFill>
-                <a:latin typeface="Calibri" panose="020F0502020204030204"/>
-              </a:defRPr>
-            </a:pPr>
-            <a:r>
-              <a:t>Insert heightmap</a:t>
-            </a:r>
-          </a:p>
-        </p:txBody>
-      </p:sp>
+            <a:pPr marL="0" indent="0">
+              <a:spcAft>
+                <a:spcPts val="600"/>
+              </a:spcAft>
+              <a:buNone/>
+              <a:defRPr sz="2200">
+                <a:solidFill>
+                  <a:srgbClr val="FFFFFF"/>
+                </a:solidFill>
+                <a:latin typeface="Calibri" panose="020F0502020204030204"/>
+              </a:defRPr>
+            </a:pPr>
+          </a:p>
+        </p:txBody>
+      </p:sp>
+      <p:pic>
+        <p:nvPicPr>
+          <p:cNvPr id="4" name="图片 3"/>
+          <p:cNvPicPr>
+            <a:picLocks noChangeAspect="1"/>
+          </p:cNvPicPr>
+          <p:nvPr/>
+        </p:nvPicPr>
+        <p:blipFill>
+          <a:blip r:embed="rId1"/>
+          <a:stretch>
+            <a:fillRect/>
+          </a:stretch>
+        </p:blipFill>
+        <p:spPr>
+          <a:xfrm>
+            <a:off x="1391285" y="3798570"/>
+            <a:ext cx="5804535" cy="2327910"/>
+          </a:xfrm>
+          <a:prstGeom prst="rect">
+            <a:avLst/>
+          </a:prstGeom>
+        </p:spPr>
+      </p:pic>
     </p:spTree>
   </p:cSld>
   <p:clrMapOvr>
@@ -3853,10 +3937,15 @@
             <p:ph idx="1"/>
           </p:nvPr>
         </p:nvSpPr>
-        <p:spPr/>
+        <p:spPr>
+          <a:xfrm>
+            <a:off x="1645285" y="1600200"/>
+            <a:ext cx="8229600" cy="4525963"/>
+          </a:xfrm>
+        </p:spPr>
         <p:txBody>
           <a:bodyPr>
-            <a:normAutofit lnSpcReduction="10000"/>
+            <a:normAutofit lnSpcReduction="20000"/>
           </a:bodyPr>
           <a:lstStyle/>
           <a:p/>
@@ -3873,8 +3962,10 @@
               </a:defRPr>
             </a:pPr>
             <a:r>
+              <a:rPr b="1"/>
               <a:t>Achievements</a:t>
             </a:r>
+            <a:endParaRPr b="1"/>
           </a:p>
           <a:p>
             <a:pPr marL="0" indent="0">
@@ -3970,8 +4061,13 @@
               </a:defRPr>
             </a:pPr>
             <a:r>
-              <a:t>Live Demo: https://your-link-here.com</a:t>
-            </a:r>
+              <a:t>Live Demo: </a:t>
+            </a:r>
+            <a:r>
+              <a:rPr lang="en-US" altLang="zh-CN"/>
+              <a:t>morphex-mo.github.io/COMP4422-Computer-Graphics-Proj/?scene=starCollectorScene</a:t>
+            </a:r>
+            <a:endParaRPr lang="en-US" altLang="zh-CN"/>
           </a:p>
           <a:p>
             <a:pPr>
@@ -4032,7 +4128,12 @@
             <p:ph type="title"/>
           </p:nvPr>
         </p:nvSpPr>
-        <p:spPr/>
+        <p:spPr>
+          <a:xfrm>
+            <a:off x="1718310" y="274638"/>
+            <a:ext cx="8229600" cy="1143000"/>
+          </a:xfrm>
+        </p:spPr>
         <p:txBody>
           <a:bodyPr/>
           <a:lstStyle/>
@@ -4061,7 +4162,12 @@
             <p:ph idx="1"/>
           </p:nvPr>
         </p:nvSpPr>
-        <p:spPr/>
+        <p:spPr>
+          <a:xfrm>
+            <a:off x="2516505" y="1600200"/>
+            <a:ext cx="8229600" cy="4525963"/>
+          </a:xfrm>
+        </p:spPr>
         <p:txBody>
           <a:bodyPr/>
           <a:lstStyle/>
@@ -4097,10 +4203,11 @@
             </a:r>
           </a:p>
           <a:p>
-            <a:pPr>
-              <a:spcAft>
-                <a:spcPts val="600"/>
-              </a:spcAft>
+            <a:pPr marL="0" indent="0">
+              <a:spcAft>
+                <a:spcPts val="600"/>
+              </a:spcAft>
+              <a:buNone/>
               <a:defRPr sz="2000">
                 <a:solidFill>
                   <a:srgbClr val="64DCFF"/>
@@ -4111,60 +4218,11 @@
             <a:r>
               <a:t>───────────────────────────────────────</a:t>
             </a:r>
-          </a:p>
-          <a:p>
-            <a:pPr>
-              <a:spcAft>
-                <a:spcPts val="600"/>
-              </a:spcAft>
-              <a:defRPr sz="2000">
-                <a:solidFill>
-                  <a:srgbClr val="64DCFF"/>
-                </a:solidFill>
-                <a:latin typeface="Calibri" panose="020F0502020204030204"/>
-              </a:defRPr>
-            </a:pPr>
-            <a:r>
-              <a:t>Alice Wang      12345678   Fox rigging, Toon shader, Animation</a:t>
-            </a:r>
-          </a:p>
-          <a:p>
-            <a:pPr>
-              <a:spcAft>
-                <a:spcPts val="600"/>
-              </a:spcAft>
-              <a:defRPr sz="2000">
-                <a:solidFill>
-                  <a:srgbClr val="64DCFF"/>
-                </a:solidFill>
-                <a:latin typeface="Calibri" panose="020F0502020204030204"/>
-              </a:defRPr>
-            </a:pPr>
-            <a:r>
-              <a:t>Bob Li         </a:t>
-            </a:r>
-            <a:r>
-              <a:rPr lang="en-US"/>
-              <a:t>     </a:t>
-            </a:r>
-            <a:r>
-              <a:t> 12345679   Terrain generation, Tree scattering</a:t>
-            </a:r>
-          </a:p>
-          <a:p>
-            <a:pPr>
-              <a:spcAft>
-                <a:spcPts val="600"/>
-              </a:spcAft>
-              <a:defRPr sz="2000">
-                <a:solidFill>
-                  <a:srgbClr val="64DCFF"/>
-                </a:solidFill>
-                <a:latin typeface="Calibri" panose="020F0502020204030204"/>
-              </a:defRPr>
-            </a:pPr>
-            <a:r>
-              <a:t>Cathy Zhang    12345680   Star &amp; particle system, Timeline</a:t>
+            <a:r>
+              <a:rPr>
+                <a:sym typeface="+mn-ea"/>
+              </a:rPr>
+              <a:t>────────────</a:t>
             </a:r>
           </a:p>
           <a:p>
@@ -4342,7 +4400,12 @@
             <p:ph idx="1"/>
           </p:nvPr>
         </p:nvSpPr>
-        <p:spPr/>
+        <p:spPr>
+          <a:xfrm>
+            <a:off x="1028700" y="1600200"/>
+            <a:ext cx="8229600" cy="4525963"/>
+          </a:xfrm>
+        </p:spPr>
         <p:txBody>
           <a:bodyPr>
             <a:normAutofit fontScale="80000"/>
@@ -4629,7 +4692,12 @@
             <p:ph idx="1"/>
           </p:nvPr>
         </p:nvSpPr>
-        <p:spPr/>
+        <p:spPr>
+          <a:xfrm>
+            <a:off x="2124710" y="1417955"/>
+            <a:ext cx="8229600" cy="4525963"/>
+          </a:xfrm>
+        </p:spPr>
         <p:txBody>
           <a:bodyPr/>
           <a:lstStyle/>
@@ -4748,6 +4816,30 @@
           </a:p>
         </p:txBody>
       </p:sp>
+      <p:pic>
+        <p:nvPicPr>
+          <p:cNvPr id="4" name="图片 3"/>
+          <p:cNvPicPr>
+            <a:picLocks noChangeAspect="1"/>
+          </p:cNvPicPr>
+          <p:nvPr/>
+        </p:nvPicPr>
+        <p:blipFill>
+          <a:blip r:embed="rId1"/>
+          <a:stretch>
+            <a:fillRect/>
+          </a:stretch>
+        </p:blipFill>
+        <p:spPr>
+          <a:xfrm>
+            <a:off x="962660" y="4709795"/>
+            <a:ext cx="9391650" cy="1628775"/>
+          </a:xfrm>
+          <a:prstGeom prst="rect">
+            <a:avLst/>
+          </a:prstGeom>
+        </p:spPr>
+      </p:pic>
     </p:spTree>
   </p:cSld>
   <p:clrMapOvr>
@@ -4813,7 +4905,12 @@
             <p:ph idx="1"/>
           </p:nvPr>
         </p:nvSpPr>
-        <p:spPr/>
+        <p:spPr>
+          <a:xfrm>
+            <a:off x="1028700" y="1600200"/>
+            <a:ext cx="8229600" cy="4525963"/>
+          </a:xfrm>
+        </p:spPr>
         <p:txBody>
           <a:bodyPr/>
           <a:lstStyle/>
@@ -4993,6 +5090,30 @@
           </a:p>
         </p:txBody>
       </p:sp>
+      <p:pic>
+        <p:nvPicPr>
+          <p:cNvPr id="4" name="图片 3"/>
+          <p:cNvPicPr>
+            <a:picLocks noChangeAspect="1"/>
+          </p:cNvPicPr>
+          <p:nvPr/>
+        </p:nvPicPr>
+        <p:blipFill>
+          <a:blip r:embed="rId1"/>
+          <a:stretch>
+            <a:fillRect/>
+          </a:stretch>
+        </p:blipFill>
+        <p:spPr>
+          <a:xfrm>
+            <a:off x="5450205" y="2733675"/>
+            <a:ext cx="6220460" cy="3411220"/>
+          </a:xfrm>
+          <a:prstGeom prst="rect">
+            <a:avLst/>
+          </a:prstGeom>
+        </p:spPr>
+      </p:pic>
     </p:spTree>
   </p:cSld>
   <p:clrMapOvr>
@@ -5060,7 +5181,7 @@
         </p:nvSpPr>
         <p:spPr>
           <a:xfrm>
-            <a:off x="457200" y="1165860"/>
+            <a:off x="665480" y="1165860"/>
             <a:ext cx="8229600" cy="4787265"/>
           </a:xfrm>
         </p:spPr>
@@ -5273,6 +5394,30 @@
           </a:p>
         </p:txBody>
       </p:sp>
+      <p:pic>
+        <p:nvPicPr>
+          <p:cNvPr id="4" name="图片 3"/>
+          <p:cNvPicPr>
+            <a:picLocks noChangeAspect="1"/>
+          </p:cNvPicPr>
+          <p:nvPr/>
+        </p:nvPicPr>
+        <p:blipFill>
+          <a:blip r:embed="rId1"/>
+          <a:stretch>
+            <a:fillRect/>
+          </a:stretch>
+        </p:blipFill>
+        <p:spPr>
+          <a:xfrm>
+            <a:off x="4460240" y="1623695"/>
+            <a:ext cx="6216015" cy="4536440"/>
+          </a:xfrm>
+          <a:prstGeom prst="rect">
+            <a:avLst/>
+          </a:prstGeom>
+        </p:spPr>
+      </p:pic>
     </p:spTree>
   </p:cSld>
   <p:clrMapOvr>
@@ -5338,12 +5483,85 @@
             <p:ph idx="1"/>
           </p:nvPr>
         </p:nvSpPr>
-        <p:spPr/>
+        <p:spPr>
+          <a:xfrm>
+            <a:off x="2117090" y="1600200"/>
+            <a:ext cx="8229600" cy="4525963"/>
+          </a:xfrm>
+        </p:spPr>
         <p:txBody>
           <a:bodyPr/>
           <a:lstStyle/>
           <a:p/>
           <a:p>
+            <a:pPr marL="0" indent="0">
+              <a:spcAft>
+                <a:spcPts val="600"/>
+              </a:spcAft>
+              <a:buNone/>
+              <a:defRPr sz="2200">
+                <a:solidFill>
+                  <a:srgbClr val="FFFFFF"/>
+                </a:solidFill>
+                <a:latin typeface="Calibri" panose="020F0502020204030204"/>
+              </a:defRPr>
+            </a:pPr>
+            <a:r>
+              <a:t>• Dynamic directional light (sun → moon)</a:t>
+            </a:r>
+          </a:p>
+          <a:p>
+            <a:pPr marL="0" indent="0">
+              <a:spcAft>
+                <a:spcPts val="600"/>
+              </a:spcAft>
+              <a:buNone/>
+              <a:defRPr sz="2200">
+                <a:solidFill>
+                  <a:srgbClr val="FFFFFF"/>
+                </a:solidFill>
+                <a:latin typeface="Calibri" panose="020F0502020204030204"/>
+              </a:defRPr>
+            </a:pPr>
+            <a:r>
+              <a:t>• Real-time day-night cycle (frozen at deep night)</a:t>
+            </a:r>
+          </a:p>
+          <a:p>
+            <a:pPr marL="0" indent="0">
+              <a:spcAft>
+                <a:spcPts val="600"/>
+              </a:spcAft>
+              <a:buNone/>
+              <a:defRPr sz="2200">
+                <a:solidFill>
+                  <a:srgbClr val="FFFFFF"/>
+                </a:solidFill>
+                <a:latin typeface="Calibri" panose="020F0502020204030204"/>
+              </a:defRPr>
+            </a:pPr>
+            <a:r>
+              <a:t>• Star self-illumination with additive glow</a:t>
+            </a:r>
+          </a:p>
+          <a:p>
+            <a:pPr marL="0" indent="0">
+              <a:spcAft>
+                <a:spcPts val="600"/>
+              </a:spcAft>
+              <a:buNone/>
+              <a:defRPr sz="2200">
+                <a:solidFill>
+                  <a:srgbClr val="FFFFFF"/>
+                </a:solidFill>
+                <a:latin typeface="Calibri" panose="020F0502020204030204"/>
+              </a:defRPr>
+            </a:pPr>
+            <a:r>
+              <a:t>• Shadow casting on fox and trees</a:t>
+            </a:r>
+          </a:p>
+          <a:p>
             <a:pPr>
               <a:spcAft>
                 <a:spcPts val="600"/>
@@ -5355,89 +5573,47 @@
                 <a:latin typeface="Calibri" panose="020F0502020204030204"/>
               </a:defRPr>
             </a:pPr>
-            <a:r>
-              <a:t>• Dynamic directional light (sun → moon)</a:t>
-            </a:r>
-          </a:p>
-          <a:p>
-            <a:pPr>
-              <a:spcAft>
-                <a:spcPts val="600"/>
-              </a:spcAft>
-              <a:defRPr sz="2200">
-                <a:solidFill>
-                  <a:srgbClr val="FFFFFF"/>
-                </a:solidFill>
-                <a:latin typeface="Calibri" panose="020F0502020204030204"/>
-              </a:defRPr>
-            </a:pPr>
-            <a:r>
-              <a:t>• Real-time day-night cycle (frozen at deep night)</a:t>
-            </a:r>
-          </a:p>
-          <a:p>
-            <a:pPr>
-              <a:spcAft>
-                <a:spcPts val="600"/>
-              </a:spcAft>
-              <a:defRPr sz="2200">
-                <a:solidFill>
-                  <a:srgbClr val="FFFFFF"/>
-                </a:solidFill>
-                <a:latin typeface="Calibri" panose="020F0502020204030204"/>
-              </a:defRPr>
-            </a:pPr>
-            <a:r>
-              <a:t>• Star self-illumination with additive glow</a:t>
-            </a:r>
-          </a:p>
-          <a:p>
-            <a:pPr>
-              <a:spcAft>
-                <a:spcPts val="600"/>
-              </a:spcAft>
-              <a:defRPr sz="2200">
-                <a:solidFill>
-                  <a:srgbClr val="FFFFFF"/>
-                </a:solidFill>
-                <a:latin typeface="Calibri" panose="020F0502020204030204"/>
-              </a:defRPr>
-            </a:pPr>
-            <a:r>
-              <a:t>• Shadow casting on fox and trees</a:t>
-            </a:r>
-          </a:p>
-          <a:p>
-            <a:pPr>
-              <a:spcAft>
-                <a:spcPts val="600"/>
-              </a:spcAft>
-              <a:defRPr sz="2200">
-                <a:solidFill>
-                  <a:srgbClr val="FFFFFF"/>
-                </a:solidFill>
-                <a:latin typeface="Calibri" panose="020F0502020204030204"/>
-              </a:defRPr>
-            </a:pPr>
-          </a:p>
-          <a:p>
-            <a:pPr>
-              <a:spcAft>
-                <a:spcPts val="600"/>
-              </a:spcAft>
-              <a:defRPr sz="2200">
-                <a:solidFill>
-                  <a:srgbClr val="FFFFFF"/>
-                </a:solidFill>
-                <a:latin typeface="Calibri" panose="020F0502020204030204"/>
-              </a:defRPr>
-            </a:pPr>
-            <a:r>
-              <a:t>Insert day vs night comparison</a:t>
-            </a:r>
-          </a:p>
-        </p:txBody>
-      </p:sp>
+          </a:p>
+          <a:p>
+            <a:pPr marL="0" indent="0">
+              <a:spcAft>
+                <a:spcPts val="600"/>
+              </a:spcAft>
+              <a:buNone/>
+              <a:defRPr sz="2200">
+                <a:solidFill>
+                  <a:srgbClr val="FFFFFF"/>
+                </a:solidFill>
+                <a:latin typeface="Calibri" panose="020F0502020204030204"/>
+              </a:defRPr>
+            </a:pPr>
+          </a:p>
+        </p:txBody>
+      </p:sp>
+      <p:pic>
+        <p:nvPicPr>
+          <p:cNvPr id="4" name="图片 3"/>
+          <p:cNvPicPr>
+            <a:picLocks noChangeAspect="1"/>
+          </p:cNvPicPr>
+          <p:nvPr/>
+        </p:nvPicPr>
+        <p:blipFill>
+          <a:blip r:embed="rId1"/>
+          <a:stretch>
+            <a:fillRect/>
+          </a:stretch>
+        </p:blipFill>
+        <p:spPr>
+          <a:xfrm>
+            <a:off x="2117090" y="4215765"/>
+            <a:ext cx="6287135" cy="2028825"/>
+          </a:xfrm>
+          <a:prstGeom prst="rect">
+            <a:avLst/>
+          </a:prstGeom>
+        </p:spPr>
+      </p:pic>
     </p:spTree>
   </p:cSld>
   <p:clrMapOvr>
@@ -5503,7 +5679,12 @@
             <p:ph idx="1"/>
           </p:nvPr>
         </p:nvSpPr>
-        <p:spPr/>
+        <p:spPr>
+          <a:xfrm>
+            <a:off x="1245870" y="1600200"/>
+            <a:ext cx="8229600" cy="4525963"/>
+          </a:xfrm>
+        </p:spPr>
         <p:txBody>
           <a:bodyPr/>
           <a:lstStyle/>
@@ -5611,36 +5792,45 @@
             </a:r>
           </a:p>
           <a:p>
-            <a:pPr>
-              <a:spcAft>
-                <a:spcPts val="600"/>
-              </a:spcAft>
-              <a:defRPr sz="2200">
-                <a:solidFill>
-                  <a:srgbClr val="FFFFFF"/>
-                </a:solidFill>
-                <a:latin typeface="Calibri" panose="020F0502020204030204"/>
-              </a:defRPr>
-            </a:pPr>
-          </a:p>
-          <a:p>
-            <a:pPr>
-              <a:spcAft>
-                <a:spcPts val="600"/>
-              </a:spcAft>
-              <a:defRPr sz="2200">
-                <a:solidFill>
-                  <a:srgbClr val="FFFFFF"/>
-                </a:solidFill>
-                <a:latin typeface="Calibri" panose="020F0502020204030204"/>
-              </a:defRPr>
-            </a:pPr>
-            <a:r>
-              <a:t>Insert 4-side comparison (standard → final toon)</a:t>
-            </a:r>
-          </a:p>
-        </p:txBody>
-      </p:sp>
+            <a:pPr marL="0" indent="0">
+              <a:spcAft>
+                <a:spcPts val="600"/>
+              </a:spcAft>
+              <a:buNone/>
+              <a:defRPr sz="2200">
+                <a:solidFill>
+                  <a:srgbClr val="FFFFFF"/>
+                </a:solidFill>
+                <a:latin typeface="Calibri" panose="020F0502020204030204"/>
+              </a:defRPr>
+            </a:pPr>
+          </a:p>
+        </p:txBody>
+      </p:sp>
+      <p:pic>
+        <p:nvPicPr>
+          <p:cNvPr id="4" name="图片 3"/>
+          <p:cNvPicPr>
+            <a:picLocks noChangeAspect="1"/>
+          </p:cNvPicPr>
+          <p:nvPr/>
+        </p:nvPicPr>
+        <p:blipFill>
+          <a:blip r:embed="rId1"/>
+          <a:stretch>
+            <a:fillRect/>
+          </a:stretch>
+        </p:blipFill>
+        <p:spPr>
+          <a:xfrm>
+            <a:off x="5550535" y="2095500"/>
+            <a:ext cx="5960745" cy="3491865"/>
+          </a:xfrm>
+          <a:prstGeom prst="rect">
+            <a:avLst/>
+          </a:prstGeom>
+        </p:spPr>
+      </p:pic>
     </p:spTree>
   </p:cSld>
   <p:clrMapOvr>
@@ -5706,7 +5896,12 @@
             <p:ph idx="1"/>
           </p:nvPr>
         </p:nvSpPr>
-        <p:spPr/>
+        <p:spPr>
+          <a:xfrm>
+            <a:off x="1165225" y="1600200"/>
+            <a:ext cx="8229600" cy="4525963"/>
+          </a:xfrm>
+        </p:spPr>
         <p:txBody>
           <a:bodyPr/>
           <a:lstStyle/>
@@ -5776,23 +5971,45 @@
             </a:pPr>
           </a:p>
           <a:p>
-            <a:pPr>
-              <a:spcAft>
-                <a:spcPts val="600"/>
-              </a:spcAft>
-              <a:defRPr sz="2200">
-                <a:solidFill>
-                  <a:srgbClr val="FFFFFF"/>
-                </a:solidFill>
-                <a:latin typeface="Calibri" panose="020F0502020204030204"/>
-              </a:defRPr>
-            </a:pPr>
-            <a:r>
-              <a:t>Insert atmosphere ON/OFF comparison</a:t>
-            </a:r>
-          </a:p>
-        </p:txBody>
-      </p:sp>
+            <a:pPr marL="0" indent="0">
+              <a:spcAft>
+                <a:spcPts val="600"/>
+              </a:spcAft>
+              <a:buNone/>
+              <a:defRPr sz="2200">
+                <a:solidFill>
+                  <a:srgbClr val="FFFFFF"/>
+                </a:solidFill>
+                <a:latin typeface="Calibri" panose="020F0502020204030204"/>
+              </a:defRPr>
+            </a:pPr>
+          </a:p>
+        </p:txBody>
+      </p:sp>
+      <p:pic>
+        <p:nvPicPr>
+          <p:cNvPr id="4" name="图片 3"/>
+          <p:cNvPicPr>
+            <a:picLocks noChangeAspect="1"/>
+          </p:cNvPicPr>
+          <p:nvPr/>
+        </p:nvPicPr>
+        <p:blipFill>
+          <a:blip r:embed="rId1"/>
+          <a:stretch>
+            <a:fillRect/>
+          </a:stretch>
+        </p:blipFill>
+        <p:spPr>
+          <a:xfrm>
+            <a:off x="1165225" y="4135755"/>
+            <a:ext cx="9324975" cy="1990725"/>
+          </a:xfrm>
+          <a:prstGeom prst="rect">
+            <a:avLst/>
+          </a:prstGeom>
+        </p:spPr>
+      </p:pic>
     </p:spTree>
   </p:cSld>
   <p:clrMapOvr>
@@ -5858,7 +6075,12 @@
             <p:ph idx="1"/>
           </p:nvPr>
         </p:nvSpPr>
-        <p:spPr/>
+        <p:spPr>
+          <a:xfrm>
+            <a:off x="1201420" y="1600200"/>
+            <a:ext cx="8229600" cy="4525963"/>
+          </a:xfrm>
+        </p:spPr>
         <p:txBody>
           <a:bodyPr/>
           <a:lstStyle/>
@@ -5945,23 +6167,45 @@
             </a:pPr>
           </a:p>
           <a:p>
-            <a:pPr>
-              <a:spcAft>
-                <a:spcPts val="600"/>
-              </a:spcAft>
-              <a:defRPr sz="2200">
-                <a:solidFill>
-                  <a:srgbClr val="FFFFFF"/>
-                </a:solidFill>
-                <a:latin typeface="Calibri" panose="020F0502020204030204"/>
-              </a:defRPr>
-            </a:pPr>
-            <a:r>
-              <a:t>Insert animation sequence</a:t>
-            </a:r>
-          </a:p>
-        </p:txBody>
-      </p:sp>
+            <a:pPr marL="0" indent="0">
+              <a:spcAft>
+                <a:spcPts val="600"/>
+              </a:spcAft>
+              <a:buNone/>
+              <a:defRPr sz="2200">
+                <a:solidFill>
+                  <a:srgbClr val="FFFFFF"/>
+                </a:solidFill>
+                <a:latin typeface="Calibri" panose="020F0502020204030204"/>
+              </a:defRPr>
+            </a:pPr>
+          </a:p>
+        </p:txBody>
+      </p:sp>
+      <p:pic>
+        <p:nvPicPr>
+          <p:cNvPr id="4" name="图片 3"/>
+          <p:cNvPicPr>
+            <a:picLocks noChangeAspect="1"/>
+          </p:cNvPicPr>
+          <p:nvPr/>
+        </p:nvPicPr>
+        <p:blipFill>
+          <a:blip r:embed="rId1"/>
+          <a:stretch>
+            <a:fillRect/>
+          </a:stretch>
+        </p:blipFill>
+        <p:spPr>
+          <a:xfrm>
+            <a:off x="5520690" y="2952750"/>
+            <a:ext cx="5452110" cy="2376170"/>
+          </a:xfrm>
+          <a:prstGeom prst="rect">
+            <a:avLst/>
+          </a:prstGeom>
+        </p:spPr>
+      </p:pic>
     </p:spTree>
   </p:cSld>
   <p:clrMapOvr>

--- a/Star_Collector_Presentation_Perfect_16pages.pptx
+++ b/Star_Collector_Presentation_Perfect_16pages.pptx
@@ -3125,7 +3125,9 @@
         </p:nvSpPr>
         <p:spPr/>
         <p:txBody>
-          <a:bodyPr/>
+          <a:bodyPr>
+            <a:normAutofit lnSpcReduction="10000"/>
+          </a:bodyPr>
           <a:lstStyle/>
           <a:p>
             <a:pPr algn="ctr">
@@ -3141,8 +3143,27 @@
             <a:br/>
             <a:br/>
             <a:r>
-              <a:t>Group XX • Name1, Name2, Name3</a:t>
-            </a:r>
+              <a:t> </a:t>
+            </a:r>
+            <a:r>
+              <a:rPr lang="en-US"/>
+              <a:t>HUANG Boxuan</a:t>
+            </a:r>
+            <a:r>
+              <a:t>, </a:t>
+            </a:r>
+            <a:r>
+              <a:rPr lang="en-US" altLang="zh-CN"/>
+              <a:t>Liu Limeng</a:t>
+            </a:r>
+            <a:r>
+              <a:t>, </a:t>
+            </a:r>
+            <a:r>
+              <a:rPr lang="en-US"/>
+              <a:t>Mo Fengyuan</a:t>
+            </a:r>
+            <a:endParaRPr lang="en-US"/>
           </a:p>
         </p:txBody>
       </p:sp>
@@ -4196,7 +4217,7 @@
             </a:r>
             <a:r>
               <a:rPr lang="en-US"/>
-              <a:t>      </a:t>
+              <a:t>                 </a:t>
             </a:r>
             <a:r>
               <a:t>Main Responsibilities</a:t>
@@ -4224,6 +4245,9 @@
               </a:rPr>
               <a:t>────────────</a:t>
             </a:r>
+            <a:endParaRPr>
+              <a:sym typeface="+mn-ea"/>
+            </a:endParaRPr>
           </a:p>
           <a:p>
             <a:pPr marL="0" indent="0">
@@ -4238,6 +4262,17 @@
                 <a:latin typeface="Calibri" panose="020F0502020204030204"/>
               </a:defRPr>
             </a:pPr>
+            <a:r>
+              <a:rPr lang="en-US">
+                <a:sym typeface="+mn-ea"/>
+              </a:rPr>
+              <a:t>HUANG Boxuan      </a:t>
+            </a:r>
+            <a:r>
+              <a:rPr lang="en-US" altLang="zh-CN"/>
+              <a:t>23100165d              Atmosphere, fox</a:t>
+            </a:r>
+            <a:endParaRPr lang="en-US" altLang="zh-CN"/>
           </a:p>
           <a:p>
             <a:pPr marL="0" indent="0">
@@ -4252,6 +4287,34 @@
                 <a:latin typeface="Calibri" panose="020F0502020204030204"/>
               </a:defRPr>
             </a:pPr>
+            <a:r>
+              <a:rPr lang="en-US" altLang="zh-CN"/>
+              <a:t>Liu Limeng               20101524d              Mountain, Report</a:t>
+            </a:r>
+            <a:endParaRPr lang="en-US" altLang="zh-CN"/>
+          </a:p>
+          <a:p>
+            <a:pPr marL="0" indent="0">
+              <a:spcAft>
+                <a:spcPts val="600"/>
+              </a:spcAft>
+              <a:buNone/>
+              <a:defRPr sz="2000">
+                <a:solidFill>
+                  <a:srgbClr val="64DCFF"/>
+                </a:solidFill>
+                <a:latin typeface="Calibri" panose="020F0502020204030204"/>
+              </a:defRPr>
+            </a:pPr>
+            <a:r>
+              <a:rPr lang="en-US"/>
+              <a:t>Mo Fengyuan          </a:t>
+            </a:r>
+            <a:r>
+              <a:rPr lang="en-US" altLang="zh-CN"/>
+              <a:t>25011254x              Stars, PPT</a:t>
+            </a:r>
+            <a:endParaRPr lang="en-US" altLang="zh-CN"/>
           </a:p>
         </p:txBody>
       </p:sp>

--- a/Star_Collector_Presentation_Perfect_16pages.pptx
+++ b/Star_Collector_Presentation_Perfect_16pages.pptx
@@ -3692,7 +3692,7 @@
       </p:sp>
       <p:pic>
         <p:nvPicPr>
-          <p:cNvPr id="4" name="图片 3"/>
+          <p:cNvPr id="5" name="图片 4"/>
           <p:cNvPicPr>
             <a:picLocks noChangeAspect="1"/>
           </p:cNvPicPr>
@@ -3706,8 +3706,8 @@
         </p:blipFill>
         <p:spPr>
           <a:xfrm>
-            <a:off x="5702935" y="2414905"/>
-            <a:ext cx="5862320" cy="2689860"/>
+            <a:off x="6094095" y="1931035"/>
+            <a:ext cx="5088255" cy="4323715"/>
           </a:xfrm>
           <a:prstGeom prst="rect">
             <a:avLst/>
@@ -4682,7 +4682,7 @@
         </p:blipFill>
         <p:spPr>
           <a:xfrm>
-            <a:off x="7394575" y="3019425"/>
+            <a:off x="7394575" y="2556510"/>
             <a:ext cx="4522470" cy="3107055"/>
           </a:xfrm>
           <a:prstGeom prst="rect">
@@ -5123,60 +5123,21 @@
             </a:r>
           </a:p>
           <a:p>
-            <a:pPr>
-              <a:spcAft>
-                <a:spcPts val="600"/>
-              </a:spcAft>
-              <a:defRPr sz="2200">
-                <a:solidFill>
-                  <a:srgbClr val="FFFFFF"/>
-                </a:solidFill>
-                <a:latin typeface="Calibri" panose="020F0502020204030204"/>
-              </a:defRPr>
-            </a:pPr>
-          </a:p>
-          <a:p>
-            <a:pPr>
-              <a:spcAft>
-                <a:spcPts val="600"/>
-              </a:spcAft>
-              <a:defRPr sz="2200">
-                <a:solidFill>
-                  <a:srgbClr val="FFFFFF"/>
-                </a:solidFill>
-                <a:latin typeface="Calibri" panose="020F0502020204030204"/>
-              </a:defRPr>
-            </a:pPr>
-            <a:r>
-              <a:t>Insert model screenshots here</a:t>
-            </a:r>
-          </a:p>
-        </p:txBody>
-      </p:sp>
-      <p:pic>
-        <p:nvPicPr>
-          <p:cNvPr id="4" name="图片 3"/>
-          <p:cNvPicPr>
-            <a:picLocks noChangeAspect="1"/>
-          </p:cNvPicPr>
-          <p:nvPr/>
-        </p:nvPicPr>
-        <p:blipFill>
-          <a:blip r:embed="rId1"/>
-          <a:stretch>
-            <a:fillRect/>
-          </a:stretch>
-        </p:blipFill>
-        <p:spPr>
-          <a:xfrm>
-            <a:off x="5450205" y="2733675"/>
-            <a:ext cx="6220460" cy="3411220"/>
-          </a:xfrm>
-          <a:prstGeom prst="rect">
-            <a:avLst/>
-          </a:prstGeom>
-        </p:spPr>
-      </p:pic>
+            <a:pPr marL="0" indent="0">
+              <a:spcAft>
+                <a:spcPts val="600"/>
+              </a:spcAft>
+              <a:buNone/>
+              <a:defRPr sz="2200">
+                <a:solidFill>
+                  <a:srgbClr val="FFFFFF"/>
+                </a:solidFill>
+                <a:latin typeface="Calibri" panose="020F0502020204030204"/>
+              </a:defRPr>
+            </a:pPr>
+          </a:p>
+        </p:txBody>
+      </p:sp>
     </p:spTree>
   </p:cSld>
   <p:clrMapOvr>
@@ -5961,7 +5922,7 @@
         </p:nvSpPr>
         <p:spPr>
           <a:xfrm>
-            <a:off x="1165225" y="1600200"/>
+            <a:off x="457200" y="1600200"/>
             <a:ext cx="8229600" cy="4525963"/>
           </a:xfrm>
         </p:spPr>
@@ -6051,7 +6012,7 @@
       </p:sp>
       <p:pic>
         <p:nvPicPr>
-          <p:cNvPr id="4" name="图片 3"/>
+          <p:cNvPr id="5" name="图片 4"/>
           <p:cNvPicPr>
             <a:picLocks noChangeAspect="1"/>
           </p:cNvPicPr>
@@ -6065,8 +6026,8 @@
         </p:blipFill>
         <p:spPr>
           <a:xfrm>
-            <a:off x="1165225" y="4135755"/>
-            <a:ext cx="9324975" cy="1990725"/>
+            <a:off x="5732780" y="1955165"/>
+            <a:ext cx="6057900" cy="3989070"/>
           </a:xfrm>
           <a:prstGeom prst="rect">
             <a:avLst/>

--- a/Star_Collector_Presentation_Perfect_16pages.pptx
+++ b/Star_Collector_Presentation_Perfect_16pages.pptx
@@ -22,7 +22,7 @@
     <p:sldId id="270" r:id="rId17"/>
     <p:sldId id="271" r:id="rId18"/>
   </p:sldIdLst>
-  <p:sldSz cx="12188825" cy="6858000" type="screen4x3"/>
+  <p:sldSz cx="12188825" cy="6858000"/>
   <p:notesSz cx="6858000" cy="9144000"/>
   <p:defaultTextStyle>
     <a:defPPr>
@@ -176,7 +176,7 @@
           <a:lstStyle/>
           <a:p>
             <a:r>
-              <a:rPr lang="en-US" smtClean="0"/>
+              <a:rPr lang="en-US"/>
               <a:t>Click to edit Master title style</a:t>
             </a:r>
             <a:endParaRPr lang="en-US"/>
@@ -295,7 +295,7 @@
           </a:lstStyle>
           <a:p>
             <a:r>
-              <a:rPr lang="en-US" smtClean="0"/>
+              <a:rPr lang="en-US"/>
               <a:t>Click to edit Master subtitle style</a:t>
             </a:r>
             <a:endParaRPr lang="en-US"/>
@@ -406,7 +406,7 @@
           <a:lstStyle/>
           <a:p>
             <a:r>
-              <a:rPr lang="en-US" smtClean="0"/>
+              <a:rPr lang="en-US"/>
               <a:t>Click to edit Master title style</a:t>
             </a:r>
             <a:endParaRPr lang="en-US"/>
@@ -430,39 +430,39 @@
           <a:p>
             <a:pPr lvl="0"/>
             <a:r>
-              <a:rPr lang="en-US" smtClean="0"/>
+              <a:rPr lang="en-US"/>
               <a:t>Click to edit Master text styles</a:t>
             </a:r>
-            <a:endParaRPr lang="en-US" smtClean="0"/>
+            <a:endParaRPr lang="en-US"/>
           </a:p>
           <a:p>
             <a:pPr lvl="1"/>
             <a:r>
-              <a:rPr lang="en-US" smtClean="0"/>
+              <a:rPr lang="en-US"/>
               <a:t>Second level</a:t>
             </a:r>
-            <a:endParaRPr lang="en-US" smtClean="0"/>
+            <a:endParaRPr lang="en-US"/>
           </a:p>
           <a:p>
             <a:pPr lvl="2"/>
             <a:r>
-              <a:rPr lang="en-US" smtClean="0"/>
+              <a:rPr lang="en-US"/>
               <a:t>Third level</a:t>
             </a:r>
-            <a:endParaRPr lang="en-US" smtClean="0"/>
+            <a:endParaRPr lang="en-US"/>
           </a:p>
           <a:p>
             <a:pPr lvl="3"/>
             <a:r>
-              <a:rPr lang="en-US" smtClean="0"/>
+              <a:rPr lang="en-US"/>
               <a:t>Fourth level</a:t>
             </a:r>
-            <a:endParaRPr lang="en-US" smtClean="0"/>
+            <a:endParaRPr lang="en-US"/>
           </a:p>
           <a:p>
             <a:pPr lvl="4"/>
             <a:r>
-              <a:rPr lang="en-US" smtClean="0"/>
+              <a:rPr lang="en-US"/>
               <a:t>Fifth level</a:t>
             </a:r>
             <a:endParaRPr lang="en-US"/>
@@ -578,7 +578,7 @@
           <a:lstStyle/>
           <a:p>
             <a:r>
-              <a:rPr lang="en-US" smtClean="0"/>
+              <a:rPr lang="en-US"/>
               <a:t>Click to edit Master title style</a:t>
             </a:r>
             <a:endParaRPr lang="en-US"/>
@@ -607,39 +607,39 @@
           <a:p>
             <a:pPr lvl="0"/>
             <a:r>
-              <a:rPr lang="en-US" smtClean="0"/>
+              <a:rPr lang="en-US"/>
               <a:t>Click to edit Master text styles</a:t>
             </a:r>
-            <a:endParaRPr lang="en-US" smtClean="0"/>
+            <a:endParaRPr lang="en-US"/>
           </a:p>
           <a:p>
             <a:pPr lvl="1"/>
             <a:r>
-              <a:rPr lang="en-US" smtClean="0"/>
+              <a:rPr lang="en-US"/>
               <a:t>Second level</a:t>
             </a:r>
-            <a:endParaRPr lang="en-US" smtClean="0"/>
+            <a:endParaRPr lang="en-US"/>
           </a:p>
           <a:p>
             <a:pPr lvl="2"/>
             <a:r>
-              <a:rPr lang="en-US" smtClean="0"/>
+              <a:rPr lang="en-US"/>
               <a:t>Third level</a:t>
             </a:r>
-            <a:endParaRPr lang="en-US" smtClean="0"/>
+            <a:endParaRPr lang="en-US"/>
           </a:p>
           <a:p>
             <a:pPr lvl="3"/>
             <a:r>
-              <a:rPr lang="en-US" smtClean="0"/>
+              <a:rPr lang="en-US"/>
               <a:t>Fourth level</a:t>
             </a:r>
-            <a:endParaRPr lang="en-US" smtClean="0"/>
+            <a:endParaRPr lang="en-US"/>
           </a:p>
           <a:p>
             <a:pPr lvl="4"/>
             <a:r>
-              <a:rPr lang="en-US" smtClean="0"/>
+              <a:rPr lang="en-US"/>
               <a:t>Fifth level</a:t>
             </a:r>
             <a:endParaRPr lang="en-US"/>
@@ -750,7 +750,7 @@
           <a:lstStyle/>
           <a:p>
             <a:r>
-              <a:rPr lang="en-US" smtClean="0"/>
+              <a:rPr lang="en-US"/>
               <a:t>Click to edit Master title style</a:t>
             </a:r>
             <a:endParaRPr lang="en-US"/>
@@ -774,39 +774,39 @@
           <a:p>
             <a:pPr lvl="0"/>
             <a:r>
-              <a:rPr lang="en-US" smtClean="0"/>
+              <a:rPr lang="en-US"/>
               <a:t>Click to edit Master text styles</a:t>
             </a:r>
-            <a:endParaRPr lang="en-US" smtClean="0"/>
+            <a:endParaRPr lang="en-US"/>
           </a:p>
           <a:p>
             <a:pPr lvl="1"/>
             <a:r>
-              <a:rPr lang="en-US" smtClean="0"/>
+              <a:rPr lang="en-US"/>
               <a:t>Second level</a:t>
             </a:r>
-            <a:endParaRPr lang="en-US" smtClean="0"/>
+            <a:endParaRPr lang="en-US"/>
           </a:p>
           <a:p>
             <a:pPr lvl="2"/>
             <a:r>
-              <a:rPr lang="en-US" smtClean="0"/>
+              <a:rPr lang="en-US"/>
               <a:t>Third level</a:t>
             </a:r>
-            <a:endParaRPr lang="en-US" smtClean="0"/>
+            <a:endParaRPr lang="en-US"/>
           </a:p>
           <a:p>
             <a:pPr lvl="3"/>
             <a:r>
-              <a:rPr lang="en-US" smtClean="0"/>
+              <a:rPr lang="en-US"/>
               <a:t>Fourth level</a:t>
             </a:r>
-            <a:endParaRPr lang="en-US" smtClean="0"/>
+            <a:endParaRPr lang="en-US"/>
           </a:p>
           <a:p>
             <a:pPr lvl="4"/>
             <a:r>
-              <a:rPr lang="en-US" smtClean="0"/>
+              <a:rPr lang="en-US"/>
               <a:t>Fifth level</a:t>
             </a:r>
             <a:endParaRPr lang="en-US"/>
@@ -926,7 +926,7 @@
           </a:lstStyle>
           <a:p>
             <a:r>
-              <a:rPr lang="en-US" smtClean="0"/>
+              <a:rPr lang="en-US"/>
               <a:t>Click to edit Master title style</a:t>
             </a:r>
             <a:endParaRPr lang="en-US"/>
@@ -1046,10 +1046,10 @@
           <a:p>
             <a:pPr lvl="0"/>
             <a:r>
-              <a:rPr lang="en-US" smtClean="0"/>
+              <a:rPr lang="en-US"/>
               <a:t>Click to edit Master text styles</a:t>
             </a:r>
-            <a:endParaRPr lang="en-US" smtClean="0"/>
+            <a:endParaRPr lang="en-US"/>
           </a:p>
         </p:txBody>
       </p:sp>
@@ -1157,7 +1157,7 @@
           <a:lstStyle/>
           <a:p>
             <a:r>
-              <a:rPr lang="en-US" smtClean="0"/>
+              <a:rPr lang="en-US"/>
               <a:t>Click to edit Master title style</a:t>
             </a:r>
             <a:endParaRPr lang="en-US"/>
@@ -1214,39 +1214,39 @@
           <a:p>
             <a:pPr lvl="0"/>
             <a:r>
-              <a:rPr lang="en-US" smtClean="0"/>
+              <a:rPr lang="en-US"/>
               <a:t>Click to edit Master text styles</a:t>
             </a:r>
-            <a:endParaRPr lang="en-US" smtClean="0"/>
+            <a:endParaRPr lang="en-US"/>
           </a:p>
           <a:p>
             <a:pPr lvl="1"/>
             <a:r>
-              <a:rPr lang="en-US" smtClean="0"/>
+              <a:rPr lang="en-US"/>
               <a:t>Second level</a:t>
             </a:r>
-            <a:endParaRPr lang="en-US" smtClean="0"/>
+            <a:endParaRPr lang="en-US"/>
           </a:p>
           <a:p>
             <a:pPr lvl="2"/>
             <a:r>
-              <a:rPr lang="en-US" smtClean="0"/>
+              <a:rPr lang="en-US"/>
               <a:t>Third level</a:t>
             </a:r>
-            <a:endParaRPr lang="en-US" smtClean="0"/>
+            <a:endParaRPr lang="en-US"/>
           </a:p>
           <a:p>
             <a:pPr lvl="3"/>
             <a:r>
-              <a:rPr lang="en-US" smtClean="0"/>
+              <a:rPr lang="en-US"/>
               <a:t>Fourth level</a:t>
             </a:r>
-            <a:endParaRPr lang="en-US" smtClean="0"/>
+            <a:endParaRPr lang="en-US"/>
           </a:p>
           <a:p>
             <a:pPr lvl="4"/>
             <a:r>
-              <a:rPr lang="en-US" smtClean="0"/>
+              <a:rPr lang="en-US"/>
               <a:t>Fifth level</a:t>
             </a:r>
             <a:endParaRPr lang="en-US"/>
@@ -1303,39 +1303,39 @@
           <a:p>
             <a:pPr lvl="0"/>
             <a:r>
-              <a:rPr lang="en-US" smtClean="0"/>
+              <a:rPr lang="en-US"/>
               <a:t>Click to edit Master text styles</a:t>
             </a:r>
-            <a:endParaRPr lang="en-US" smtClean="0"/>
+            <a:endParaRPr lang="en-US"/>
           </a:p>
           <a:p>
             <a:pPr lvl="1"/>
             <a:r>
-              <a:rPr lang="en-US" smtClean="0"/>
+              <a:rPr lang="en-US"/>
               <a:t>Second level</a:t>
             </a:r>
-            <a:endParaRPr lang="en-US" smtClean="0"/>
+            <a:endParaRPr lang="en-US"/>
           </a:p>
           <a:p>
             <a:pPr lvl="2"/>
             <a:r>
-              <a:rPr lang="en-US" smtClean="0"/>
+              <a:rPr lang="en-US"/>
               <a:t>Third level</a:t>
             </a:r>
-            <a:endParaRPr lang="en-US" smtClean="0"/>
+            <a:endParaRPr lang="en-US"/>
           </a:p>
           <a:p>
             <a:pPr lvl="3"/>
             <a:r>
-              <a:rPr lang="en-US" smtClean="0"/>
+              <a:rPr lang="en-US"/>
               <a:t>Fourth level</a:t>
             </a:r>
-            <a:endParaRPr lang="en-US" smtClean="0"/>
+            <a:endParaRPr lang="en-US"/>
           </a:p>
           <a:p>
             <a:pPr lvl="4"/>
             <a:r>
-              <a:rPr lang="en-US" smtClean="0"/>
+              <a:rPr lang="en-US"/>
               <a:t>Fifth level</a:t>
             </a:r>
             <a:endParaRPr lang="en-US"/>
@@ -1450,7 +1450,7 @@
           </a:lstStyle>
           <a:p>
             <a:r>
-              <a:rPr lang="en-US" smtClean="0"/>
+              <a:rPr lang="en-US"/>
               <a:t>Click to edit Master title style</a:t>
             </a:r>
             <a:endParaRPr lang="en-US"/>
@@ -1516,10 +1516,10 @@
           <a:p>
             <a:pPr lvl="0"/>
             <a:r>
-              <a:rPr lang="en-US" smtClean="0"/>
+              <a:rPr lang="en-US"/>
               <a:t>Click to edit Master text styles</a:t>
             </a:r>
-            <a:endParaRPr lang="en-US" smtClean="0"/>
+            <a:endParaRPr lang="en-US"/>
           </a:p>
         </p:txBody>
       </p:sp>
@@ -1573,39 +1573,39 @@
           <a:p>
             <a:pPr lvl="0"/>
             <a:r>
-              <a:rPr lang="en-US" smtClean="0"/>
+              <a:rPr lang="en-US"/>
               <a:t>Click to edit Master text styles</a:t>
             </a:r>
-            <a:endParaRPr lang="en-US" smtClean="0"/>
+            <a:endParaRPr lang="en-US"/>
           </a:p>
           <a:p>
             <a:pPr lvl="1"/>
             <a:r>
-              <a:rPr lang="en-US" smtClean="0"/>
+              <a:rPr lang="en-US"/>
               <a:t>Second level</a:t>
             </a:r>
-            <a:endParaRPr lang="en-US" smtClean="0"/>
+            <a:endParaRPr lang="en-US"/>
           </a:p>
           <a:p>
             <a:pPr lvl="2"/>
             <a:r>
-              <a:rPr lang="en-US" smtClean="0"/>
+              <a:rPr lang="en-US"/>
               <a:t>Third level</a:t>
             </a:r>
-            <a:endParaRPr lang="en-US" smtClean="0"/>
+            <a:endParaRPr lang="en-US"/>
           </a:p>
           <a:p>
             <a:pPr lvl="3"/>
             <a:r>
-              <a:rPr lang="en-US" smtClean="0"/>
+              <a:rPr lang="en-US"/>
               <a:t>Fourth level</a:t>
             </a:r>
-            <a:endParaRPr lang="en-US" smtClean="0"/>
+            <a:endParaRPr lang="en-US"/>
           </a:p>
           <a:p>
             <a:pPr lvl="4"/>
             <a:r>
-              <a:rPr lang="en-US" smtClean="0"/>
+              <a:rPr lang="en-US"/>
               <a:t>Fifth level</a:t>
             </a:r>
             <a:endParaRPr lang="en-US"/>
@@ -1671,10 +1671,10 @@
           <a:p>
             <a:pPr lvl="0"/>
             <a:r>
-              <a:rPr lang="en-US" smtClean="0"/>
+              <a:rPr lang="en-US"/>
               <a:t>Click to edit Master text styles</a:t>
             </a:r>
-            <a:endParaRPr lang="en-US" smtClean="0"/>
+            <a:endParaRPr lang="en-US"/>
           </a:p>
         </p:txBody>
       </p:sp>
@@ -1728,39 +1728,39 @@
           <a:p>
             <a:pPr lvl="0"/>
             <a:r>
-              <a:rPr lang="en-US" smtClean="0"/>
+              <a:rPr lang="en-US"/>
               <a:t>Click to edit Master text styles</a:t>
             </a:r>
-            <a:endParaRPr lang="en-US" smtClean="0"/>
+            <a:endParaRPr lang="en-US"/>
           </a:p>
           <a:p>
             <a:pPr lvl="1"/>
             <a:r>
-              <a:rPr lang="en-US" smtClean="0"/>
+              <a:rPr lang="en-US"/>
               <a:t>Second level</a:t>
             </a:r>
-            <a:endParaRPr lang="en-US" smtClean="0"/>
+            <a:endParaRPr lang="en-US"/>
           </a:p>
           <a:p>
             <a:pPr lvl="2"/>
             <a:r>
-              <a:rPr lang="en-US" smtClean="0"/>
+              <a:rPr lang="en-US"/>
               <a:t>Third level</a:t>
             </a:r>
-            <a:endParaRPr lang="en-US" smtClean="0"/>
+            <a:endParaRPr lang="en-US"/>
           </a:p>
           <a:p>
             <a:pPr lvl="3"/>
             <a:r>
-              <a:rPr lang="en-US" smtClean="0"/>
+              <a:rPr lang="en-US"/>
               <a:t>Fourth level</a:t>
             </a:r>
-            <a:endParaRPr lang="en-US" smtClean="0"/>
+            <a:endParaRPr lang="en-US"/>
           </a:p>
           <a:p>
             <a:pPr lvl="4"/>
             <a:r>
-              <a:rPr lang="en-US" smtClean="0"/>
+              <a:rPr lang="en-US"/>
               <a:t>Fifth level</a:t>
             </a:r>
             <a:endParaRPr lang="en-US"/>
@@ -1871,7 +1871,7 @@
           <a:lstStyle/>
           <a:p>
             <a:r>
-              <a:rPr lang="en-US" smtClean="0"/>
+              <a:rPr lang="en-US"/>
               <a:t>Click to edit Master title style</a:t>
             </a:r>
             <a:endParaRPr lang="en-US"/>
@@ -2079,7 +2079,7 @@
           </a:lstStyle>
           <a:p>
             <a:r>
-              <a:rPr lang="en-US" smtClean="0"/>
+              <a:rPr lang="en-US"/>
               <a:t>Click to edit Master title style</a:t>
             </a:r>
             <a:endParaRPr lang="en-US"/>
@@ -2136,39 +2136,39 @@
           <a:p>
             <a:pPr lvl="0"/>
             <a:r>
-              <a:rPr lang="en-US" smtClean="0"/>
+              <a:rPr lang="en-US"/>
               <a:t>Click to edit Master text styles</a:t>
             </a:r>
-            <a:endParaRPr lang="en-US" smtClean="0"/>
+            <a:endParaRPr lang="en-US"/>
           </a:p>
           <a:p>
             <a:pPr lvl="1"/>
             <a:r>
-              <a:rPr lang="en-US" smtClean="0"/>
+              <a:rPr lang="en-US"/>
               <a:t>Second level</a:t>
             </a:r>
-            <a:endParaRPr lang="en-US" smtClean="0"/>
+            <a:endParaRPr lang="en-US"/>
           </a:p>
           <a:p>
             <a:pPr lvl="2"/>
             <a:r>
-              <a:rPr lang="en-US" smtClean="0"/>
+              <a:rPr lang="en-US"/>
               <a:t>Third level</a:t>
             </a:r>
-            <a:endParaRPr lang="en-US" smtClean="0"/>
+            <a:endParaRPr lang="en-US"/>
           </a:p>
           <a:p>
             <a:pPr lvl="3"/>
             <a:r>
-              <a:rPr lang="en-US" smtClean="0"/>
+              <a:rPr lang="en-US"/>
               <a:t>Fourth level</a:t>
             </a:r>
-            <a:endParaRPr lang="en-US" smtClean="0"/>
+            <a:endParaRPr lang="en-US"/>
           </a:p>
           <a:p>
             <a:pPr lvl="4"/>
             <a:r>
-              <a:rPr lang="en-US" smtClean="0"/>
+              <a:rPr lang="en-US"/>
               <a:t>Fifth level</a:t>
             </a:r>
             <a:endParaRPr lang="en-US"/>
@@ -2234,10 +2234,10 @@
           <a:p>
             <a:pPr lvl="0"/>
             <a:r>
-              <a:rPr lang="en-US" smtClean="0"/>
+              <a:rPr lang="en-US"/>
               <a:t>Click to edit Master text styles</a:t>
             </a:r>
-            <a:endParaRPr lang="en-US" smtClean="0"/>
+            <a:endParaRPr lang="en-US"/>
           </a:p>
         </p:txBody>
       </p:sp>
@@ -2354,7 +2354,7 @@
           </a:lstStyle>
           <a:p>
             <a:r>
-              <a:rPr lang="en-US" smtClean="0"/>
+              <a:rPr lang="en-US"/>
               <a:t>Click to edit Master title style</a:t>
             </a:r>
             <a:endParaRPr lang="en-US"/>
@@ -2481,10 +2481,10 @@
           <a:p>
             <a:pPr lvl="0"/>
             <a:r>
-              <a:rPr lang="en-US" smtClean="0"/>
+              <a:rPr lang="en-US"/>
               <a:t>Click to edit Master text styles</a:t>
             </a:r>
-            <a:endParaRPr lang="en-US" smtClean="0"/>
+            <a:endParaRPr lang="en-US"/>
           </a:p>
         </p:txBody>
       </p:sp>
@@ -2607,7 +2607,7 @@
           <a:lstStyle/>
           <a:p>
             <a:r>
-              <a:rPr lang="en-US" smtClean="0"/>
+              <a:rPr lang="en-US"/>
               <a:t>Click to edit Master title style</a:t>
             </a:r>
             <a:endParaRPr lang="en-US"/>
@@ -2641,39 +2641,39 @@
           <a:p>
             <a:pPr lvl="0"/>
             <a:r>
-              <a:rPr lang="en-US" smtClean="0"/>
+              <a:rPr lang="en-US"/>
               <a:t>Click to edit Master text styles</a:t>
             </a:r>
-            <a:endParaRPr lang="en-US" smtClean="0"/>
+            <a:endParaRPr lang="en-US"/>
           </a:p>
           <a:p>
             <a:pPr lvl="1"/>
             <a:r>
-              <a:rPr lang="en-US" smtClean="0"/>
+              <a:rPr lang="en-US"/>
               <a:t>Second level</a:t>
             </a:r>
-            <a:endParaRPr lang="en-US" smtClean="0"/>
+            <a:endParaRPr lang="en-US"/>
           </a:p>
           <a:p>
             <a:pPr lvl="2"/>
             <a:r>
-              <a:rPr lang="en-US" smtClean="0"/>
+              <a:rPr lang="en-US"/>
               <a:t>Third level</a:t>
             </a:r>
-            <a:endParaRPr lang="en-US" smtClean="0"/>
+            <a:endParaRPr lang="en-US"/>
           </a:p>
           <a:p>
             <a:pPr lvl="3"/>
             <a:r>
-              <a:rPr lang="en-US" smtClean="0"/>
+              <a:rPr lang="en-US"/>
               <a:t>Fourth level</a:t>
             </a:r>
-            <a:endParaRPr lang="en-US" smtClean="0"/>
+            <a:endParaRPr lang="en-US"/>
           </a:p>
           <a:p>
             <a:pPr lvl="4"/>
             <a:r>
-              <a:rPr lang="en-US" smtClean="0"/>
+              <a:rPr lang="en-US"/>
               <a:t>Fifth level</a:t>
             </a:r>
             <a:endParaRPr lang="en-US"/>
@@ -3083,7 +3083,14 @@
         <p:cNvGrpSpPr/>
         <p:nvPr/>
       </p:nvGrpSpPr>
-      <p:grpSpPr/>
+      <p:grpSpPr>
+        <a:xfrm>
+          <a:off x="0" y="0"/>
+          <a:ext cx="0" cy="0"/>
+          <a:chOff x="0" y="0"/>
+          <a:chExt cx="0" cy="0"/>
+        </a:xfrm>
+      </p:grpSpPr>
       <p:sp>
         <p:nvSpPr>
           <p:cNvPr id="2" name="Title 1"/>
@@ -3192,7 +3199,14 @@
         <p:cNvGrpSpPr/>
         <p:nvPr/>
       </p:nvGrpSpPr>
-      <p:grpSpPr/>
+      <p:grpSpPr>
+        <a:xfrm>
+          <a:off x="0" y="0"/>
+          <a:ext cx="0" cy="0"/>
+          <a:chOff x="0" y="0"/>
+          <a:chExt cx="0" cy="0"/>
+        </a:xfrm>
+      </p:grpSpPr>
       <p:sp>
         <p:nvSpPr>
           <p:cNvPr id="2" name="Title 1"/>
@@ -3371,7 +3385,14 @@
         <p:cNvGrpSpPr/>
         <p:nvPr/>
       </p:nvGrpSpPr>
-      <p:grpSpPr/>
+      <p:grpSpPr>
+        <a:xfrm>
+          <a:off x="0" y="0"/>
+          <a:ext cx="0" cy="0"/>
+          <a:chOff x="0" y="0"/>
+          <a:chExt cx="0" cy="0"/>
+        </a:xfrm>
+      </p:grpSpPr>
       <p:sp>
         <p:nvSpPr>
           <p:cNvPr id="2" name="Title 1"/>
@@ -3384,7 +3405,9 @@
         </p:nvSpPr>
         <p:spPr/>
         <p:txBody>
-          <a:bodyPr/>
+          <a:bodyPr>
+            <a:normAutofit fontScale="90000"/>
+          </a:bodyPr>
           <a:lstStyle/>
           <a:p>
             <a:pPr algn="ctr">
@@ -3557,7 +3580,14 @@
         <p:cNvGrpSpPr/>
         <p:nvPr/>
       </p:nvGrpSpPr>
-      <p:grpSpPr/>
+      <p:grpSpPr>
+        <a:xfrm>
+          <a:off x="0" y="0"/>
+          <a:ext cx="0" cy="0"/>
+          <a:chOff x="0" y="0"/>
+          <a:chExt cx="0" cy="0"/>
+        </a:xfrm>
+      </p:grpSpPr>
       <p:sp>
         <p:nvSpPr>
           <p:cNvPr id="2" name="Title 1"/>
@@ -3570,7 +3600,9 @@
         </p:nvSpPr>
         <p:spPr/>
         <p:txBody>
-          <a:bodyPr/>
+          <a:bodyPr>
+            <a:normAutofit fontScale="90000"/>
+          </a:bodyPr>
           <a:lstStyle/>
           <a:p>
             <a:pPr algn="ctr">
@@ -3739,7 +3771,14 @@
         <p:cNvGrpSpPr/>
         <p:nvPr/>
       </p:nvGrpSpPr>
-      <p:grpSpPr/>
+      <p:grpSpPr>
+        <a:xfrm>
+          <a:off x="0" y="0"/>
+          <a:ext cx="0" cy="0"/>
+          <a:chOff x="0" y="0"/>
+          <a:chExt cx="0" cy="0"/>
+        </a:xfrm>
+      </p:grpSpPr>
       <p:sp>
         <p:nvSpPr>
           <p:cNvPr id="2" name="Title 1"/>
@@ -3752,7 +3791,9 @@
         </p:nvSpPr>
         <p:spPr/>
         <p:txBody>
-          <a:bodyPr/>
+          <a:bodyPr>
+            <a:normAutofit fontScale="90000"/>
+          </a:bodyPr>
           <a:lstStyle/>
           <a:p>
             <a:pPr algn="ctr">
@@ -3918,7 +3959,14 @@
         <p:cNvGrpSpPr/>
         <p:nvPr/>
       </p:nvGrpSpPr>
-      <p:grpSpPr/>
+      <p:grpSpPr>
+        <a:xfrm>
+          <a:off x="0" y="0"/>
+          <a:ext cx="0" cy="0"/>
+          <a:chOff x="0" y="0"/>
+          <a:chExt cx="0" cy="0"/>
+        </a:xfrm>
+      </p:grpSpPr>
       <p:sp>
         <p:nvSpPr>
           <p:cNvPr id="2" name="Title 1"/>
@@ -3966,7 +4014,7 @@
         </p:spPr>
         <p:txBody>
           <a:bodyPr>
-            <a:normAutofit lnSpcReduction="20000"/>
+            <a:normAutofit fontScale="92500"/>
           </a:bodyPr>
           <a:lstStyle/>
           <a:p/>
@@ -4138,7 +4186,14 @@
         <p:cNvGrpSpPr/>
         <p:nvPr/>
       </p:nvGrpSpPr>
-      <p:grpSpPr/>
+      <p:grpSpPr>
+        <a:xfrm>
+          <a:off x="0" y="0"/>
+          <a:ext cx="0" cy="0"/>
+          <a:chOff x="0" y="0"/>
+          <a:chExt cx="0" cy="0"/>
+        </a:xfrm>
+      </p:grpSpPr>
       <p:sp>
         <p:nvSpPr>
           <p:cNvPr id="2" name="Title 1"/>
@@ -4343,7 +4398,14 @@
         <p:cNvGrpSpPr/>
         <p:nvPr/>
       </p:nvGrpSpPr>
-      <p:grpSpPr/>
+      <p:grpSpPr>
+        <a:xfrm>
+          <a:off x="0" y="0"/>
+          <a:ext cx="0" cy="0"/>
+          <a:chOff x="0" y="0"/>
+          <a:chExt cx="0" cy="0"/>
+        </a:xfrm>
+      </p:grpSpPr>
       <p:sp>
         <p:nvSpPr>
           <p:cNvPr id="2" name="Title 1"/>
@@ -4423,7 +4485,14 @@
         <p:cNvGrpSpPr/>
         <p:nvPr/>
       </p:nvGrpSpPr>
-      <p:grpSpPr/>
+      <p:grpSpPr>
+        <a:xfrm>
+          <a:off x="0" y="0"/>
+          <a:ext cx="0" cy="0"/>
+          <a:chOff x="0" y="0"/>
+          <a:chExt cx="0" cy="0"/>
+        </a:xfrm>
+      </p:grpSpPr>
       <p:sp>
         <p:nvSpPr>
           <p:cNvPr id="2" name="Title 1"/>
@@ -4436,7 +4505,9 @@
         </p:nvSpPr>
         <p:spPr/>
         <p:txBody>
-          <a:bodyPr/>
+          <a:bodyPr>
+            <a:normAutofit fontScale="90000"/>
+          </a:bodyPr>
           <a:lstStyle/>
           <a:p>
             <a:pPr algn="ctr">
@@ -4471,7 +4542,7 @@
         </p:spPr>
         <p:txBody>
           <a:bodyPr>
-            <a:normAutofit fontScale="80000"/>
+            <a:normAutofit fontScale="87500"/>
           </a:bodyPr>
           <a:lstStyle/>
           <a:p>
@@ -4479,14 +4550,14 @@
               <a:buNone/>
             </a:pPr>
             <a:r>
-              <a:rPr lang="en-US" altLang="zh-CN">
+              <a:rPr lang="en-US" altLang="zh-CN" dirty="0">
                 <a:solidFill>
                   <a:schemeClr val="bg1"/>
                 </a:solidFill>
               </a:rPr>
               <a:t>"Star Collector" tells a story about a fox collecting stars.</a:t>
             </a:r>
-            <a:endParaRPr lang="en-US" altLang="zh-CN">
+            <a:endParaRPr lang="en-US" altLang="zh-CN" dirty="0">
               <a:solidFill>
                 <a:schemeClr val="bg1"/>
               </a:solidFill>
@@ -4506,8 +4577,10 @@
               </a:defRPr>
             </a:pPr>
             <a:r>
+              <a:rPr dirty="0"/>
               <a:t>• A little fox stands on a hill at dusk, gazing at the stars</a:t>
             </a:r>
+            <a:endParaRPr dirty="0"/>
           </a:p>
           <a:p>
             <a:pPr marL="0" indent="0">
@@ -4523,8 +4596,10 @@
               </a:defRPr>
             </a:pPr>
             <a:r>
+              <a:rPr dirty="0"/>
               <a:t>• Three falling stars are gently collected</a:t>
             </a:r>
+            <a:endParaRPr dirty="0"/>
           </a:p>
           <a:p>
             <a:pPr marL="0" indent="0">
@@ -4540,8 +4615,10 @@
               </a:defRPr>
             </a:pPr>
             <a:r>
+              <a:rPr dirty="0"/>
               <a:t>• Finally, countless star particles are released into the night sky</a:t>
             </a:r>
+            <a:endParaRPr dirty="0"/>
           </a:p>
           <a:p>
             <a:pPr>
@@ -4555,6 +4632,7 @@
                 <a:latin typeface="Calibri" panose="020F0502020204030204"/>
               </a:defRPr>
             </a:pPr>
+            <a:endParaRPr dirty="0"/>
           </a:p>
           <a:p>
             <a:pPr>
@@ -4569,8 +4647,10 @@
               </a:defRPr>
             </a:pPr>
             <a:r>
+              <a:rPr dirty="0"/>
               <a:t>Key Moments:</a:t>
             </a:r>
+            <a:endParaRPr dirty="0"/>
           </a:p>
           <a:p>
             <a:pPr marL="457200" lvl="1" indent="0">
@@ -4586,8 +4666,10 @@
               </a:defRPr>
             </a:pPr>
             <a:r>
+              <a:rPr dirty="0"/>
               <a:t>0s     → Night falls, fox breathing calmly</a:t>
             </a:r>
+            <a:endParaRPr dirty="0"/>
           </a:p>
           <a:p>
             <a:pPr>
@@ -4602,8 +4684,30 @@
               </a:defRPr>
             </a:pPr>
             <a:r>
-              <a:t>11–17s → 1st star → left paw → flash &amp; disappear</a:t>
-            </a:r>
+              <a:rPr dirty="0"/>
+              <a:t>11–17s → 1st star </a:t>
+            </a:r>
+            <a:r>
+              <a:rPr lang="zh-CN" altLang="en-US" dirty="0"/>
+              <a:t>→ </a:t>
+            </a:r>
+            <a:r>
+              <a:rPr dirty="0"/>
+              <a:t>flash &amp; disappear</a:t>
+            </a:r>
+            <a:r>
+              <a:rPr lang="en-US" dirty="0"/>
+              <a:t> </a:t>
+            </a:r>
+            <a:r>
+              <a:rPr lang="zh-CN" altLang="en-US" dirty="0"/>
+              <a:t>→</a:t>
+            </a:r>
+            <a:r>
+              <a:rPr lang="en-US" dirty="0"/>
+              <a:t> fox tilted its head</a:t>
+            </a:r>
+            <a:endParaRPr dirty="0"/>
           </a:p>
           <a:p>
             <a:pPr>
@@ -4618,8 +4722,18 @@
               </a:defRPr>
             </a:pPr>
             <a:r>
-              <a:t>26–32s → 2nd star → right paw → tail curls</a:t>
-            </a:r>
+              <a:rPr dirty="0"/>
+              <a:t>26–32s → 2nd star → </a:t>
+            </a:r>
+            <a:r>
+              <a:rPr lang="en-US" dirty="0"/>
+              <a:t>fox’s </a:t>
+            </a:r>
+            <a:r>
+              <a:rPr dirty="0"/>
+              <a:t>tail curls</a:t>
+            </a:r>
+            <a:endParaRPr dirty="0"/>
           </a:p>
           <a:p>
             <a:pPr>
@@ -4634,8 +4748,10 @@
               </a:defRPr>
             </a:pPr>
             <a:r>
+              <a:rPr dirty="0"/>
               <a:t>33s    → Camera pulls back, particles emitted upward</a:t>
             </a:r>
+            <a:endParaRPr dirty="0"/>
           </a:p>
           <a:p>
             <a:pPr>
@@ -4649,6 +4765,7 @@
                 <a:latin typeface="Calibri" panose="020F0502020204030204"/>
               </a:defRPr>
             </a:pPr>
+            <a:endParaRPr dirty="0"/>
           </a:p>
           <a:p>
             <a:pPr marL="0" indent="0">
@@ -4663,6 +4780,7 @@
                 <a:latin typeface="Calibri" panose="020F0502020204030204"/>
               </a:defRPr>
             </a:pPr>
+            <a:endParaRPr dirty="0"/>
           </a:p>
         </p:txBody>
       </p:sp>
@@ -4715,7 +4833,14 @@
         <p:cNvGrpSpPr/>
         <p:nvPr/>
       </p:nvGrpSpPr>
-      <p:grpSpPr/>
+      <p:grpSpPr>
+        <a:xfrm>
+          <a:off x="0" y="0"/>
+          <a:ext cx="0" cy="0"/>
+          <a:chOff x="0" y="0"/>
+          <a:chExt cx="0" cy="0"/>
+        </a:xfrm>
+      </p:grpSpPr>
       <p:sp>
         <p:nvSpPr>
           <p:cNvPr id="2" name="Title 1"/>
@@ -4764,7 +4889,9 @@
         <p:txBody>
           <a:bodyPr/>
           <a:lstStyle/>
-          <a:p/>
+          <a:p>
+            <a:endParaRPr dirty="0"/>
+          </a:p>
           <a:p>
             <a:pPr marL="0" indent="0">
               <a:spcAft>
@@ -4779,8 +4906,10 @@
               </a:defRPr>
             </a:pPr>
             <a:r>
+              <a:rPr dirty="0"/>
               <a:t>• Central hill with a large tree</a:t>
             </a:r>
+            <a:endParaRPr dirty="0"/>
           </a:p>
           <a:p>
             <a:pPr marL="0" indent="0">
@@ -4796,8 +4925,10 @@
               </a:defRPr>
             </a:pPr>
             <a:r>
+              <a:rPr dirty="0"/>
               <a:t>• Fox positioned under the tree</a:t>
             </a:r>
+            <a:endParaRPr dirty="0"/>
           </a:p>
           <a:p>
             <a:pPr marL="0" indent="0">
@@ -4813,8 +4944,10 @@
               </a:defRPr>
             </a:pPr>
             <a:r>
+              <a:rPr dirty="0"/>
               <a:t>• Procedural rolling mountains (Perlin noise)</a:t>
             </a:r>
+            <a:endParaRPr dirty="0"/>
           </a:p>
           <a:p>
             <a:pPr marL="0" indent="0">
@@ -4830,8 +4963,10 @@
               </a:defRPr>
             </a:pPr>
             <a:r>
+              <a:rPr dirty="0"/>
               <a:t>• Sparse trees scattered on distant hills</a:t>
             </a:r>
+            <a:endParaRPr dirty="0"/>
           </a:p>
           <a:p>
             <a:pPr marL="0" indent="0">
@@ -4847,8 +4982,10 @@
               </a:defRPr>
             </a:pPr>
             <a:r>
+              <a:rPr dirty="0"/>
               <a:t>• Dynamic sky: sunset → deep night with visible stars</a:t>
             </a:r>
+            <a:endParaRPr dirty="0"/>
           </a:p>
           <a:p>
             <a:pPr>
@@ -4862,6 +4999,7 @@
                 <a:latin typeface="Calibri" panose="020F0502020204030204"/>
               </a:defRPr>
             </a:pPr>
+            <a:endParaRPr dirty="0"/>
           </a:p>
           <a:p>
             <a:pPr marL="0" indent="0">
@@ -4876,6 +5014,7 @@
                 <a:latin typeface="Calibri" panose="020F0502020204030204"/>
               </a:defRPr>
             </a:pPr>
+            <a:endParaRPr dirty="0"/>
           </a:p>
         </p:txBody>
       </p:sp>
@@ -4928,7 +5067,14 @@
         <p:cNvGrpSpPr/>
         <p:nvPr/>
       </p:nvGrpSpPr>
-      <p:grpSpPr/>
+      <p:grpSpPr>
+        <a:xfrm>
+          <a:off x="0" y="0"/>
+          <a:ext cx="0" cy="0"/>
+          <a:chOff x="0" y="0"/>
+          <a:chExt cx="0" cy="0"/>
+        </a:xfrm>
+      </p:grpSpPr>
       <p:sp>
         <p:nvSpPr>
           <p:cNvPr id="2" name="Title 1"/>
@@ -4975,9 +5121,13 @@
           </a:xfrm>
         </p:spPr>
         <p:txBody>
-          <a:bodyPr/>
-          <a:lstStyle/>
-          <a:p/>
+          <a:bodyPr>
+            <a:normAutofit fontScale="92500" lnSpcReduction="10000"/>
+          </a:bodyPr>
+          <a:lstStyle/>
+          <a:p>
+            <a:endParaRPr dirty="0"/>
+          </a:p>
           <a:p>
             <a:pPr>
               <a:spcAft>
@@ -4991,8 +5141,10 @@
               </a:defRPr>
             </a:pPr>
             <a:r>
+              <a:rPr dirty="0"/>
               <a:t>Fox Model</a:t>
             </a:r>
+            <a:endParaRPr dirty="0"/>
           </a:p>
           <a:p>
             <a:pPr marL="0" indent="0">
@@ -5008,8 +5160,10 @@
               </a:defRPr>
             </a:pPr>
             <a:r>
+              <a:rPr dirty="0"/>
               <a:t>• Source: GLTF (downloaded)</a:t>
             </a:r>
+            <a:endParaRPr dirty="0"/>
           </a:p>
           <a:p>
             <a:pPr marL="0" indent="0">
@@ -5025,8 +5179,10 @@
               </a:defRPr>
             </a:pPr>
             <a:r>
+              <a:rPr dirty="0"/>
               <a:t>• Triangles: 11.1k</a:t>
             </a:r>
+            <a:endParaRPr dirty="0"/>
           </a:p>
           <a:p>
             <a:pPr marL="0" indent="0">
@@ -5042,8 +5198,10 @@
               </a:defRPr>
             </a:pPr>
             <a:r>
+              <a:rPr dirty="0"/>
               <a:t>• Full skeletal rigging</a:t>
             </a:r>
+            <a:endParaRPr dirty="0"/>
           </a:p>
           <a:p>
             <a:pPr>
@@ -5057,6 +5215,7 @@
                 <a:latin typeface="Calibri" panose="020F0502020204030204"/>
               </a:defRPr>
             </a:pPr>
+            <a:endParaRPr dirty="0"/>
           </a:p>
           <a:p>
             <a:pPr>
@@ -5071,8 +5230,10 @@
               </a:defRPr>
             </a:pPr>
             <a:r>
+              <a:rPr dirty="0"/>
               <a:t>Tree-Hill Model</a:t>
             </a:r>
+            <a:endParaRPr dirty="0"/>
           </a:p>
           <a:p>
             <a:pPr>
@@ -5087,8 +5248,10 @@
               </a:defRPr>
             </a:pPr>
             <a:r>
+              <a:rPr dirty="0"/>
               <a:t>• Source: GLTF</a:t>
             </a:r>
+            <a:endParaRPr dirty="0"/>
           </a:p>
           <a:p>
             <a:pPr>
@@ -5103,8 +5266,10 @@
               </a:defRPr>
             </a:pPr>
             <a:r>
+              <a:rPr dirty="0"/>
               <a:t>• Triangles: 746</a:t>
             </a:r>
+            <a:endParaRPr dirty="0"/>
           </a:p>
           <a:p>
             <a:pPr>
@@ -5119,8 +5284,10 @@
               </a:defRPr>
             </a:pPr>
             <a:r>
+              <a:rPr dirty="0"/>
               <a:t>• Used as central platform</a:t>
             </a:r>
+            <a:endParaRPr dirty="0"/>
           </a:p>
           <a:p>
             <a:pPr marL="0" indent="0">
@@ -5135,6 +5302,7 @@
                 <a:latin typeface="Calibri" panose="020F0502020204030204"/>
               </a:defRPr>
             </a:pPr>
+            <a:endParaRPr dirty="0"/>
           </a:p>
         </p:txBody>
       </p:sp>
@@ -5163,7 +5331,14 @@
         <p:cNvGrpSpPr/>
         <p:nvPr/>
       </p:nvGrpSpPr>
-      <p:grpSpPr/>
+      <p:grpSpPr>
+        <a:xfrm>
+          <a:off x="0" y="0"/>
+          <a:ext cx="0" cy="0"/>
+          <a:chOff x="0" y="0"/>
+          <a:chExt cx="0" cy="0"/>
+        </a:xfrm>
+      </p:grpSpPr>
       <p:sp>
         <p:nvSpPr>
           <p:cNvPr id="2" name="Title 1"/>
@@ -5218,7 +5393,7 @@
             <a:pPr marL="0" indent="0">
               <a:buNone/>
             </a:pPr>
-            <a:endParaRPr sz="2200"/>
+            <a:endParaRPr sz="2200" dirty="0"/>
           </a:p>
           <a:p>
             <a:pPr>
@@ -5233,10 +5408,10 @@
               </a:defRPr>
             </a:pPr>
             <a:r>
-              <a:rPr sz="1900"/>
+              <a:rPr sz="1900" dirty="0"/>
               <a:t>Procedural Terrain</a:t>
             </a:r>
-            <a:endParaRPr sz="1900"/>
+            <a:endParaRPr sz="1900" dirty="0"/>
           </a:p>
           <a:p>
             <a:pPr marL="0" indent="0">
@@ -5252,10 +5427,10 @@
               </a:defRPr>
             </a:pPr>
             <a:r>
-              <a:rPr sz="1900"/>
+              <a:rPr sz="1900" dirty="0"/>
               <a:t>• Multi-octave Perlin noise</a:t>
             </a:r>
-            <a:endParaRPr sz="1900"/>
+            <a:endParaRPr sz="1900" dirty="0"/>
           </a:p>
           <a:p>
             <a:pPr marL="0" indent="0">
@@ -5271,10 +5446,10 @@
               </a:defRPr>
             </a:pPr>
             <a:r>
-              <a:rPr sz="1900"/>
+              <a:rPr sz="1900" dirty="0"/>
               <a:t>• Flattened center for the fox</a:t>
             </a:r>
-            <a:endParaRPr sz="1900"/>
+            <a:endParaRPr sz="1900" dirty="0"/>
           </a:p>
           <a:p>
             <a:pPr>
@@ -5288,7 +5463,7 @@
                 <a:latin typeface="Calibri" panose="020F0502020204030204"/>
               </a:defRPr>
             </a:pPr>
-            <a:endParaRPr sz="1900"/>
+            <a:endParaRPr sz="1900" dirty="0"/>
           </a:p>
           <a:p>
             <a:pPr>
@@ -5303,10 +5478,10 @@
               </a:defRPr>
             </a:pPr>
             <a:r>
-              <a:rPr sz="1900"/>
+              <a:rPr sz="1900" dirty="0"/>
               <a:t>Star Objects</a:t>
             </a:r>
-            <a:endParaRPr sz="1900"/>
+            <a:endParaRPr sz="1900" dirty="0"/>
           </a:p>
           <a:p>
             <a:pPr marL="0" indent="0">
@@ -5322,10 +5497,10 @@
               </a:defRPr>
             </a:pPr>
             <a:r>
-              <a:rPr sz="1900"/>
+              <a:rPr sz="1900" dirty="0"/>
               <a:t>• Double-layer glowing sphere</a:t>
             </a:r>
-            <a:endParaRPr sz="1900"/>
+            <a:endParaRPr sz="1900" dirty="0"/>
           </a:p>
           <a:p>
             <a:pPr marL="0" indent="0">
@@ -5341,10 +5516,10 @@
               </a:defRPr>
             </a:pPr>
             <a:r>
-              <a:rPr sz="1900"/>
+              <a:rPr sz="1900" dirty="0"/>
               <a:t>• Core + additive glow shell</a:t>
             </a:r>
-            <a:endParaRPr sz="1900"/>
+            <a:endParaRPr sz="1900" dirty="0"/>
           </a:p>
           <a:p>
             <a:pPr>
@@ -5358,7 +5533,7 @@
                 <a:latin typeface="Calibri" panose="020F0502020204030204"/>
               </a:defRPr>
             </a:pPr>
-            <a:endParaRPr sz="1900"/>
+            <a:endParaRPr sz="1900" dirty="0"/>
           </a:p>
           <a:p>
             <a:pPr>
@@ -5373,10 +5548,10 @@
               </a:defRPr>
             </a:pPr>
             <a:r>
-              <a:rPr sz="1900"/>
+              <a:rPr sz="1900" dirty="0"/>
               <a:t>Star Particles</a:t>
             </a:r>
-            <a:endParaRPr sz="1900"/>
+            <a:endParaRPr sz="1900" dirty="0"/>
           </a:p>
           <a:p>
             <a:pPr marL="0" indent="0">
@@ -5392,10 +5567,10 @@
               </a:defRPr>
             </a:pPr>
             <a:r>
-              <a:rPr sz="1900"/>
+              <a:rPr sz="1900" dirty="0"/>
               <a:t>• Pool of 50 emissive spheres</a:t>
             </a:r>
-            <a:endParaRPr sz="1900"/>
+            <a:endParaRPr sz="1900" dirty="0"/>
           </a:p>
           <a:p>
             <a:pPr marL="0" indent="0">
@@ -5411,10 +5586,10 @@
               </a:defRPr>
             </a:pPr>
             <a:r>
-              <a:rPr sz="1900"/>
+              <a:rPr sz="1900" dirty="0"/>
               <a:t>• Dynamic opacity &amp; scale</a:t>
             </a:r>
-            <a:endParaRPr sz="1900"/>
+            <a:endParaRPr sz="1900" dirty="0"/>
           </a:p>
         </p:txBody>
       </p:sp>
@@ -5467,7 +5642,14 @@
         <p:cNvGrpSpPr/>
         <p:nvPr/>
       </p:nvGrpSpPr>
-      <p:grpSpPr/>
+      <p:grpSpPr>
+        <a:xfrm>
+          <a:off x="0" y="0"/>
+          <a:ext cx="0" cy="0"/>
+          <a:chOff x="0" y="0"/>
+          <a:chExt cx="0" cy="0"/>
+        </a:xfrm>
+      </p:grpSpPr>
       <p:sp>
         <p:nvSpPr>
           <p:cNvPr id="2" name="Title 1"/>
@@ -5516,7 +5698,9 @@
         <p:txBody>
           <a:bodyPr/>
           <a:lstStyle/>
-          <a:p/>
+          <a:p>
+            <a:endParaRPr dirty="0"/>
+          </a:p>
           <a:p>
             <a:pPr marL="0" indent="0">
               <a:spcAft>
@@ -5531,8 +5715,10 @@
               </a:defRPr>
             </a:pPr>
             <a:r>
+              <a:rPr dirty="0"/>
               <a:t>• Dynamic directional light (sun → moon)</a:t>
             </a:r>
+            <a:endParaRPr dirty="0"/>
           </a:p>
           <a:p>
             <a:pPr marL="0" indent="0">
@@ -5548,8 +5734,10 @@
               </a:defRPr>
             </a:pPr>
             <a:r>
+              <a:rPr dirty="0"/>
               <a:t>• Real-time day-night cycle (frozen at deep night)</a:t>
             </a:r>
+            <a:endParaRPr dirty="0"/>
           </a:p>
           <a:p>
             <a:pPr marL="0" indent="0">
@@ -5565,8 +5753,10 @@
               </a:defRPr>
             </a:pPr>
             <a:r>
+              <a:rPr dirty="0"/>
               <a:t>• Star self-illumination with additive glow</a:t>
             </a:r>
+            <a:endParaRPr dirty="0"/>
           </a:p>
           <a:p>
             <a:pPr marL="0" indent="0">
@@ -5582,8 +5772,10 @@
               </a:defRPr>
             </a:pPr>
             <a:r>
+              <a:rPr dirty="0"/>
               <a:t>• Shadow casting on fox and trees</a:t>
             </a:r>
+            <a:endParaRPr dirty="0"/>
           </a:p>
           <a:p>
             <a:pPr>
@@ -5597,6 +5789,7 @@
                 <a:latin typeface="Calibri" panose="020F0502020204030204"/>
               </a:defRPr>
             </a:pPr>
+            <a:endParaRPr dirty="0"/>
           </a:p>
           <a:p>
             <a:pPr marL="0" indent="0">
@@ -5611,6 +5804,7 @@
                 <a:latin typeface="Calibri" panose="020F0502020204030204"/>
               </a:defRPr>
             </a:pPr>
+            <a:endParaRPr dirty="0"/>
           </a:p>
         </p:txBody>
       </p:sp>
@@ -5663,7 +5857,14 @@
         <p:cNvGrpSpPr/>
         <p:nvPr/>
       </p:nvGrpSpPr>
-      <p:grpSpPr/>
+      <p:grpSpPr>
+        <a:xfrm>
+          <a:off x="0" y="0"/>
+          <a:ext cx="0" cy="0"/>
+          <a:chOff x="0" y="0"/>
+          <a:chExt cx="0" cy="0"/>
+        </a:xfrm>
+      </p:grpSpPr>
       <p:sp>
         <p:nvSpPr>
           <p:cNvPr id="2" name="Title 1"/>
@@ -5880,7 +6081,14 @@
         <p:cNvGrpSpPr/>
         <p:nvPr/>
       </p:nvGrpSpPr>
-      <p:grpSpPr/>
+      <p:grpSpPr>
+        <a:xfrm>
+          <a:off x="0" y="0"/>
+          <a:ext cx="0" cy="0"/>
+          <a:chOff x="0" y="0"/>
+          <a:chExt cx="0" cy="0"/>
+        </a:xfrm>
+      </p:grpSpPr>
       <p:sp>
         <p:nvSpPr>
           <p:cNvPr id="2" name="Title 1"/>
@@ -5893,7 +6101,9 @@
         </p:nvSpPr>
         <p:spPr/>
         <p:txBody>
-          <a:bodyPr/>
+          <a:bodyPr>
+            <a:normAutofit fontScale="90000"/>
+          </a:bodyPr>
           <a:lstStyle/>
           <a:p>
             <a:pPr algn="ctr">
@@ -6059,7 +6269,14 @@
         <p:cNvGrpSpPr/>
         <p:nvPr/>
       </p:nvGrpSpPr>
-      <p:grpSpPr/>
+      <p:grpSpPr>
+        <a:xfrm>
+          <a:off x="0" y="0"/>
+          <a:ext cx="0" cy="0"/>
+          <a:chOff x="0" y="0"/>
+          <a:chExt cx="0" cy="0"/>
+        </a:xfrm>
+      </p:grpSpPr>
       <p:sp>
         <p:nvSpPr>
           <p:cNvPr id="2" name="Title 1"/>
